--- a/turbochargepowerbisynapselightning/Turbocharge Power BI using Azure Synapse Analytics.pptx
+++ b/turbochargepowerbisynapselightning/Turbocharge Power BI using Azure Synapse Analytics.pptx
@@ -125,8 +125,8 @@
 <pc:chgInfo xmlns:a="http://schemas.openxmlformats.org/drawingml/2006/main" xmlns:r="http://schemas.openxmlformats.org/officeDocument/2006/relationships" xmlns:ac="http://schemas.microsoft.com/office/drawing/2013/main/command" xmlns:pc="http://schemas.microsoft.com/office/powerpoint/2013/main/command">
   <pc:docChgLst>
     <pc:chgData name="Andy Cutler" userId="8f3ec14a-1e59-4597-8fd9-42da0db65331" providerId="ADAL" clId="{70441684-25AD-44F7-BE4D-C9E44BA6DD5E}"/>
-    <pc:docChg chg="custSel delSld modSld">
-      <pc:chgData name="Andy Cutler" userId="8f3ec14a-1e59-4597-8fd9-42da0db65331" providerId="ADAL" clId="{70441684-25AD-44F7-BE4D-C9E44BA6DD5E}" dt="2022-07-23T17:35:32.855" v="10" actId="478"/>
+    <pc:docChg chg="undo custSel delSld modSld">
+      <pc:chgData name="Andy Cutler" userId="8f3ec14a-1e59-4597-8fd9-42da0db65331" providerId="ADAL" clId="{70441684-25AD-44F7-BE4D-C9E44BA6DD5E}" dt="2022-07-23T17:47:32.898" v="23" actId="478"/>
       <pc:docMkLst>
         <pc:docMk/>
       </pc:docMkLst>
@@ -184,6 +184,37 @@
           </ac:picMkLst>
         </pc:picChg>
       </pc:sldChg>
+      <pc:sldChg chg="delSp modSp mod">
+        <pc:chgData name="Andy Cutler" userId="8f3ec14a-1e59-4597-8fd9-42da0db65331" providerId="ADAL" clId="{70441684-25AD-44F7-BE4D-C9E44BA6DD5E}" dt="2022-07-23T17:47:24.218" v="16" actId="478"/>
+        <pc:sldMkLst>
+          <pc:docMk/>
+          <pc:sldMk cId="3275163088" sldId="357"/>
+        </pc:sldMkLst>
+        <pc:picChg chg="del mod">
+          <ac:chgData name="Andy Cutler" userId="8f3ec14a-1e59-4597-8fd9-42da0db65331" providerId="ADAL" clId="{70441684-25AD-44F7-BE4D-C9E44BA6DD5E}" dt="2022-07-23T17:47:24.218" v="16" actId="478"/>
+          <ac:picMkLst>
+            <pc:docMk/>
+            <pc:sldMk cId="3275163088" sldId="357"/>
+            <ac:picMk id="6" creationId="{9D63D6A3-164C-4E61-B841-2522E008906F}"/>
+          </ac:picMkLst>
+        </pc:picChg>
+        <pc:picChg chg="del mod">
+          <ac:chgData name="Andy Cutler" userId="8f3ec14a-1e59-4597-8fd9-42da0db65331" providerId="ADAL" clId="{70441684-25AD-44F7-BE4D-C9E44BA6DD5E}" dt="2022-07-23T17:47:22.537" v="14" actId="478"/>
+          <ac:picMkLst>
+            <pc:docMk/>
+            <pc:sldMk cId="3275163088" sldId="357"/>
+            <ac:picMk id="15" creationId="{00377ABA-400A-4EE9-BCFC-9456A06E97E8}"/>
+          </ac:picMkLst>
+        </pc:picChg>
+        <pc:picChg chg="del mod">
+          <ac:chgData name="Andy Cutler" userId="8f3ec14a-1e59-4597-8fd9-42da0db65331" providerId="ADAL" clId="{70441684-25AD-44F7-BE4D-C9E44BA6DD5E}" dt="2022-07-23T17:47:21.071" v="12" actId="478"/>
+          <ac:picMkLst>
+            <pc:docMk/>
+            <pc:sldMk cId="3275163088" sldId="357"/>
+            <ac:picMk id="29" creationId="{1EEA86D1-9276-4F11-AEE2-0580F45ECA75}"/>
+          </ac:picMkLst>
+        </pc:picChg>
+      </pc:sldChg>
       <pc:sldChg chg="delSp mod">
         <pc:chgData name="Andy Cutler" userId="8f3ec14a-1e59-4597-8fd9-42da0db65331" providerId="ADAL" clId="{70441684-25AD-44F7-BE4D-C9E44BA6DD5E}" dt="2022-07-23T17:35:32.855" v="10" actId="478"/>
         <pc:sldMkLst>
@@ -235,6 +266,37 @@
             <pc:docMk/>
             <pc:sldMk cId="2907828567" sldId="391"/>
             <ac:picMk id="24" creationId="{5D58F88C-E6DA-4D02-B29B-2CC2BF45240D}"/>
+          </ac:picMkLst>
+        </pc:picChg>
+      </pc:sldChg>
+      <pc:sldChg chg="delSp modSp mod">
+        <pc:chgData name="Andy Cutler" userId="8f3ec14a-1e59-4597-8fd9-42da0db65331" providerId="ADAL" clId="{70441684-25AD-44F7-BE4D-C9E44BA6DD5E}" dt="2022-07-23T17:47:32.898" v="23" actId="478"/>
+        <pc:sldMkLst>
+          <pc:docMk/>
+          <pc:sldMk cId="3408771602" sldId="392"/>
+        </pc:sldMkLst>
+        <pc:picChg chg="del mod">
+          <ac:chgData name="Andy Cutler" userId="8f3ec14a-1e59-4597-8fd9-42da0db65331" providerId="ADAL" clId="{70441684-25AD-44F7-BE4D-C9E44BA6DD5E}" dt="2022-07-23T17:47:32.898" v="23" actId="478"/>
+          <ac:picMkLst>
+            <pc:docMk/>
+            <pc:sldMk cId="3408771602" sldId="392"/>
+            <ac:picMk id="6" creationId="{9D63D6A3-164C-4E61-B841-2522E008906F}"/>
+          </ac:picMkLst>
+        </pc:picChg>
+        <pc:picChg chg="del mod">
+          <ac:chgData name="Andy Cutler" userId="8f3ec14a-1e59-4597-8fd9-42da0db65331" providerId="ADAL" clId="{70441684-25AD-44F7-BE4D-C9E44BA6DD5E}" dt="2022-07-23T17:47:31.108" v="21" actId="478"/>
+          <ac:picMkLst>
+            <pc:docMk/>
+            <pc:sldMk cId="3408771602" sldId="392"/>
+            <ac:picMk id="15" creationId="{00377ABA-400A-4EE9-BCFC-9456A06E97E8}"/>
+          </ac:picMkLst>
+        </pc:picChg>
+        <pc:picChg chg="del mod">
+          <ac:chgData name="Andy Cutler" userId="8f3ec14a-1e59-4597-8fd9-42da0db65331" providerId="ADAL" clId="{70441684-25AD-44F7-BE4D-C9E44BA6DD5E}" dt="2022-07-23T17:47:29.608" v="19" actId="478"/>
+          <ac:picMkLst>
+            <pc:docMk/>
+            <pc:sldMk cId="3408771602" sldId="392"/>
+            <ac:picMk id="29" creationId="{1EEA86D1-9276-4F11-AEE2-0580F45ECA75}"/>
           </ac:picMkLst>
         </pc:picChg>
       </pc:sldChg>
@@ -11304,36 +11366,6 @@
           </a:p>
         </p:txBody>
       </p:sp>
-      <p:pic>
-        <p:nvPicPr>
-          <p:cNvPr id="15" name="Picture 14" descr="Icon&#10;&#10;Description automatically generated">
-            <a:extLst>
-              <a:ext uri="{FF2B5EF4-FFF2-40B4-BE49-F238E27FC236}">
-                <a16:creationId xmlns:a16="http://schemas.microsoft.com/office/drawing/2014/main" id="{00377ABA-400A-4EE9-BCFC-9456A06E97E8}"/>
-              </a:ext>
-            </a:extLst>
-          </p:cNvPr>
-          <p:cNvPicPr>
-            <a:picLocks noChangeAspect="1"/>
-          </p:cNvPicPr>
-          <p:nvPr/>
-        </p:nvPicPr>
-        <p:blipFill>
-          <a:blip r:embed="rId4"/>
-          <a:stretch>
-            <a:fillRect/>
-          </a:stretch>
-        </p:blipFill>
-        <p:spPr>
-          <a:xfrm rot="10800000">
-            <a:off x="-38" y="6245725"/>
-            <a:ext cx="1315714" cy="620986"/>
-          </a:xfrm>
-          <a:prstGeom prst="rect">
-            <a:avLst/>
-          </a:prstGeom>
-        </p:spPr>
-      </p:pic>
       <p:sp>
         <p:nvSpPr>
           <p:cNvPr id="2" name="TextBox 1">
@@ -11382,66 +11414,6 @@
           </a:p>
         </p:txBody>
       </p:sp>
-      <p:pic>
-        <p:nvPicPr>
-          <p:cNvPr id="29" name="Picture 28" descr="Icon&#10;&#10;Description automatically generated">
-            <a:extLst>
-              <a:ext uri="{FF2B5EF4-FFF2-40B4-BE49-F238E27FC236}">
-                <a16:creationId xmlns:a16="http://schemas.microsoft.com/office/drawing/2014/main" id="{1EEA86D1-9276-4F11-AEE2-0580F45ECA75}"/>
-              </a:ext>
-            </a:extLst>
-          </p:cNvPr>
-          <p:cNvPicPr>
-            <a:picLocks noChangeAspect="1"/>
-          </p:cNvPicPr>
-          <p:nvPr/>
-        </p:nvPicPr>
-        <p:blipFill>
-          <a:blip r:embed="rId4"/>
-          <a:stretch>
-            <a:fillRect/>
-          </a:stretch>
-        </p:blipFill>
-        <p:spPr>
-          <a:xfrm>
-            <a:off x="8060618" y="-56930"/>
-            <a:ext cx="4131382" cy="1949915"/>
-          </a:xfrm>
-          <a:prstGeom prst="rect">
-            <a:avLst/>
-          </a:prstGeom>
-        </p:spPr>
-      </p:pic>
-      <p:pic>
-        <p:nvPicPr>
-          <p:cNvPr id="6" name="Picture 5">
-            <a:extLst>
-              <a:ext uri="{FF2B5EF4-FFF2-40B4-BE49-F238E27FC236}">
-                <a16:creationId xmlns:a16="http://schemas.microsoft.com/office/drawing/2014/main" id="{9D63D6A3-164C-4E61-B841-2522E008906F}"/>
-              </a:ext>
-            </a:extLst>
-          </p:cNvPr>
-          <p:cNvPicPr>
-            <a:picLocks noChangeAspect="1"/>
-          </p:cNvPicPr>
-          <p:nvPr/>
-        </p:nvPicPr>
-        <p:blipFill>
-          <a:blip r:embed="rId5"/>
-          <a:stretch>
-            <a:fillRect/>
-          </a:stretch>
-        </p:blipFill>
-        <p:spPr>
-          <a:xfrm>
-            <a:off x="11771791" y="6441874"/>
-            <a:ext cx="248405" cy="284536"/>
-          </a:xfrm>
-          <a:prstGeom prst="rect">
-            <a:avLst/>
-          </a:prstGeom>
-        </p:spPr>
-      </p:pic>
     </p:spTree>
     <p:extLst>
       <p:ext uri="{BB962C8B-B14F-4D97-AF65-F5344CB8AC3E}">
@@ -11591,36 +11563,6 @@
           </a:p>
         </p:txBody>
       </p:sp>
-      <p:pic>
-        <p:nvPicPr>
-          <p:cNvPr id="15" name="Picture 14" descr="Icon&#10;&#10;Description automatically generated">
-            <a:extLst>
-              <a:ext uri="{FF2B5EF4-FFF2-40B4-BE49-F238E27FC236}">
-                <a16:creationId xmlns:a16="http://schemas.microsoft.com/office/drawing/2014/main" id="{00377ABA-400A-4EE9-BCFC-9456A06E97E8}"/>
-              </a:ext>
-            </a:extLst>
-          </p:cNvPr>
-          <p:cNvPicPr>
-            <a:picLocks noChangeAspect="1"/>
-          </p:cNvPicPr>
-          <p:nvPr/>
-        </p:nvPicPr>
-        <p:blipFill>
-          <a:blip r:embed="rId4"/>
-          <a:stretch>
-            <a:fillRect/>
-          </a:stretch>
-        </p:blipFill>
-        <p:spPr>
-          <a:xfrm rot="10800000">
-            <a:off x="-38" y="6245725"/>
-            <a:ext cx="1315714" cy="620986"/>
-          </a:xfrm>
-          <a:prstGeom prst="rect">
-            <a:avLst/>
-          </a:prstGeom>
-        </p:spPr>
-      </p:pic>
       <p:sp>
         <p:nvSpPr>
           <p:cNvPr id="2" name="TextBox 1">
@@ -11662,66 +11604,6 @@
           </a:p>
         </p:txBody>
       </p:sp>
-      <p:pic>
-        <p:nvPicPr>
-          <p:cNvPr id="29" name="Picture 28" descr="Icon&#10;&#10;Description automatically generated">
-            <a:extLst>
-              <a:ext uri="{FF2B5EF4-FFF2-40B4-BE49-F238E27FC236}">
-                <a16:creationId xmlns:a16="http://schemas.microsoft.com/office/drawing/2014/main" id="{1EEA86D1-9276-4F11-AEE2-0580F45ECA75}"/>
-              </a:ext>
-            </a:extLst>
-          </p:cNvPr>
-          <p:cNvPicPr>
-            <a:picLocks noChangeAspect="1"/>
-          </p:cNvPicPr>
-          <p:nvPr/>
-        </p:nvPicPr>
-        <p:blipFill>
-          <a:blip r:embed="rId4"/>
-          <a:stretch>
-            <a:fillRect/>
-          </a:stretch>
-        </p:blipFill>
-        <p:spPr>
-          <a:xfrm>
-            <a:off x="8060618" y="-56930"/>
-            <a:ext cx="4131382" cy="1949915"/>
-          </a:xfrm>
-          <a:prstGeom prst="rect">
-            <a:avLst/>
-          </a:prstGeom>
-        </p:spPr>
-      </p:pic>
-      <p:pic>
-        <p:nvPicPr>
-          <p:cNvPr id="6" name="Picture 5">
-            <a:extLst>
-              <a:ext uri="{FF2B5EF4-FFF2-40B4-BE49-F238E27FC236}">
-                <a16:creationId xmlns:a16="http://schemas.microsoft.com/office/drawing/2014/main" id="{9D63D6A3-164C-4E61-B841-2522E008906F}"/>
-              </a:ext>
-            </a:extLst>
-          </p:cNvPr>
-          <p:cNvPicPr>
-            <a:picLocks noChangeAspect="1"/>
-          </p:cNvPicPr>
-          <p:nvPr/>
-        </p:nvPicPr>
-        <p:blipFill>
-          <a:blip r:embed="rId5"/>
-          <a:stretch>
-            <a:fillRect/>
-          </a:stretch>
-        </p:blipFill>
-        <p:spPr>
-          <a:xfrm>
-            <a:off x="11771791" y="6441874"/>
-            <a:ext cx="248405" cy="284536"/>
-          </a:xfrm>
-          <a:prstGeom prst="rect">
-            <a:avLst/>
-          </a:prstGeom>
-        </p:spPr>
-      </p:pic>
     </p:spTree>
     <p:extLst>
       <p:ext uri="{BB962C8B-B14F-4D97-AF65-F5344CB8AC3E}">
@@ -12359,14 +12241,12 @@
 </file>
 
 <file path=customXml/item1.xml><?xml version="1.0" encoding="utf-8"?>
-<p:properties xmlns:p="http://schemas.microsoft.com/office/2006/metadata/properties" xmlns:xsi="http://www.w3.org/2001/XMLSchema-instance" xmlns:pc="http://schemas.microsoft.com/office/infopath/2007/PartnerControls">
-  <documentManagement>
-    <TaxCatchAll xmlns="1dd0decc-a68b-4589-9a62-e12ef0f2fe3d" xsi:nil="true"/>
-    <lcf76f155ced4ddcb4097134ff3c332f xmlns="7740c74b-fe19-42d8-af6d-0ea2bf6c289a">
-      <Terms xmlns="http://schemas.microsoft.com/office/infopath/2007/PartnerControls"/>
-    </lcf76f155ced4ddcb4097134ff3c332f>
-  </documentManagement>
-</p:properties>
+<?mso-contentType ?>
+<FormTemplates xmlns="http://schemas.microsoft.com/sharepoint/v3/contenttype/forms">
+  <Display>DocumentLibraryForm</Display>
+  <Edit>DocumentLibraryForm</Edit>
+  <New>DocumentLibraryForm</New>
+</FormTemplates>
 </file>
 
 <file path=customXml/item2.xml><?xml version="1.0" encoding="utf-8"?>
@@ -12579,27 +12459,20 @@
 </file>
 
 <file path=customXml/item3.xml><?xml version="1.0" encoding="utf-8"?>
-<?mso-contentType ?>
-<FormTemplates xmlns="http://schemas.microsoft.com/sharepoint/v3/contenttype/forms">
-  <Display>DocumentLibraryForm</Display>
-  <Edit>DocumentLibraryForm</Edit>
-  <New>DocumentLibraryForm</New>
-</FormTemplates>
+<p:properties xmlns:p="http://schemas.microsoft.com/office/2006/metadata/properties" xmlns:xsi="http://www.w3.org/2001/XMLSchema-instance" xmlns:pc="http://schemas.microsoft.com/office/infopath/2007/PartnerControls">
+  <documentManagement>
+    <TaxCatchAll xmlns="1dd0decc-a68b-4589-9a62-e12ef0f2fe3d" xsi:nil="true"/>
+    <lcf76f155ced4ddcb4097134ff3c332f xmlns="7740c74b-fe19-42d8-af6d-0ea2bf6c289a">
+      <Terms xmlns="http://schemas.microsoft.com/office/infopath/2007/PartnerControls"/>
+    </lcf76f155ced4ddcb4097134ff3c332f>
+  </documentManagement>
+</p:properties>
 </file>
 
 <file path=customXml/itemProps1.xml><?xml version="1.0" encoding="utf-8"?>
-<ds:datastoreItem xmlns:ds="http://schemas.openxmlformats.org/officeDocument/2006/customXml" ds:itemID="{BE03C9CB-262D-4226-86B8-E00F0FB8F885}">
+<ds:datastoreItem xmlns:ds="http://schemas.openxmlformats.org/officeDocument/2006/customXml" ds:itemID="{DF936B4A-121C-486D-AFE3-49A1CCFB63C4}">
   <ds:schemaRefs>
-    <ds:schemaRef ds:uri="http://purl.org/dc/terms/"/>
-    <ds:schemaRef ds:uri="http://schemas.microsoft.com/office/2006/metadata/properties"/>
-    <ds:schemaRef ds:uri="http://purl.org/dc/elements/1.1/"/>
-    <ds:schemaRef ds:uri="http://schemas.microsoft.com/office/2006/documentManagement/types"/>
-    <ds:schemaRef ds:uri="http://www.w3.org/XML/1998/namespace"/>
-    <ds:schemaRef ds:uri="http://purl.org/dc/dcmitype/"/>
-    <ds:schemaRef ds:uri="http://schemas.microsoft.com/office/infopath/2007/PartnerControls"/>
-    <ds:schemaRef ds:uri="http://schemas.openxmlformats.org/package/2006/metadata/core-properties"/>
-    <ds:schemaRef ds:uri="7740c74b-fe19-42d8-af6d-0ea2bf6c289a"/>
-    <ds:schemaRef ds:uri="1dd0decc-a68b-4589-9a62-e12ef0f2fe3d"/>
+    <ds:schemaRef ds:uri="http://schemas.microsoft.com/sharepoint/v3/contenttype/forms"/>
   </ds:schemaRefs>
 </ds:datastoreItem>
 </file>
@@ -12624,9 +12497,18 @@
 </file>
 
 <file path=customXml/itemProps3.xml><?xml version="1.0" encoding="utf-8"?>
-<ds:datastoreItem xmlns:ds="http://schemas.openxmlformats.org/officeDocument/2006/customXml" ds:itemID="{DF936B4A-121C-486D-AFE3-49A1CCFB63C4}">
+<ds:datastoreItem xmlns:ds="http://schemas.openxmlformats.org/officeDocument/2006/customXml" ds:itemID="{BE03C9CB-262D-4226-86B8-E00F0FB8F885}">
   <ds:schemaRefs>
-    <ds:schemaRef ds:uri="http://schemas.microsoft.com/sharepoint/v3/contenttype/forms"/>
+    <ds:schemaRef ds:uri="http://purl.org/dc/terms/"/>
+    <ds:schemaRef ds:uri="http://schemas.microsoft.com/office/2006/metadata/properties"/>
+    <ds:schemaRef ds:uri="http://purl.org/dc/elements/1.1/"/>
+    <ds:schemaRef ds:uri="http://schemas.microsoft.com/office/2006/documentManagement/types"/>
+    <ds:schemaRef ds:uri="http://www.w3.org/XML/1998/namespace"/>
+    <ds:schemaRef ds:uri="http://purl.org/dc/dcmitype/"/>
+    <ds:schemaRef ds:uri="http://schemas.microsoft.com/office/infopath/2007/PartnerControls"/>
+    <ds:schemaRef ds:uri="http://schemas.openxmlformats.org/package/2006/metadata/core-properties"/>
+    <ds:schemaRef ds:uri="7740c74b-fe19-42d8-af6d-0ea2bf6c289a"/>
+    <ds:schemaRef ds:uri="1dd0decc-a68b-4589-9a62-e12ef0f2fe3d"/>
   </ds:schemaRefs>
 </ds:datastoreItem>
 </file>